--- a/Presentations/0705_LitFindings.pptx
+++ b/Presentations/0705_LitFindings.pptx
@@ -114,6 +114,11 @@
       </a:defRPr>
     </a:lvl9pPr>
   </p:defaultTextStyle>
+  <p:extLst>
+    <p:ext uri="{EFAFB233-063F-42B5-8137-9DF3F51BA10A}">
+      <p15:sldGuideLst xmlns:p15="http://schemas.microsoft.com/office/powerpoint/2012/main"/>
+    </p:ext>
+  </p:extLst>
 </p:presentation>
 </file>
 
@@ -199,7 +204,7 @@
           <a:p>
             <a:fld id="{FD8F6BCB-8851-4803-8452-E86D5868F643}" type="datetimeFigureOut">
               <a:rPr lang="en-US" smtClean="0"/>
-              <a:t>7/4/2018</a:t>
+              <a:t>7/6/2018</a:t>
             </a:fld>
             <a:endParaRPr lang="en-US"/>
           </a:p>
@@ -4936,7 +4941,7 @@
           <a:p>
             <a:r>
               <a:rPr lang="en-US" sz="2000" dirty="0"/>
-              <a:t>Preliminary literature review</a:t>
+              <a:t>Preliminary literature review (Project I)</a:t>
             </a:r>
           </a:p>
           <a:p>
@@ -4947,6 +4952,12 @@
             </a:r>
           </a:p>
           <a:p>
+            <a:r>
+              <a:rPr lang="en-US" sz="2000" dirty="0"/>
+              <a:t>Complete ECM: DP formulation/writeup (Project 2)</a:t>
+            </a:r>
+          </a:p>
+          <a:p>
             <a:pPr marL="0" indent="0">
               <a:buNone/>
             </a:pPr>
@@ -4958,19 +4969,13 @@
           <a:p>
             <a:r>
               <a:rPr lang="en-US" sz="2000" dirty="0"/>
-              <a:t>ADP/battery literature review</a:t>
+              <a:t>ADP/battery literature review (Project I)</a:t>
             </a:r>
           </a:p>
           <a:p>
             <a:r>
               <a:rPr lang="en-US" sz="2000" dirty="0"/>
-              <a:t>Complete ECM: DP formulation/writeup</a:t>
-            </a:r>
-          </a:p>
-          <a:p>
-            <a:r>
-              <a:rPr lang="en-US" sz="2000" dirty="0"/>
-              <a:t>Implement ECT (equivalent circuit + thermal model) into python</a:t>
+              <a:t>Implement ECT (equivalent circuit + thermal model) into Python (Project 2)</a:t>
             </a:r>
           </a:p>
         </p:txBody>
@@ -5120,32 +5125,7 @@
             </a:pPr>
             <a:r>
               <a:rPr lang="en-US" sz="2000" b="1" dirty="0"/>
-              <a:t>Motivation</a:t>
-            </a:r>
-            <a:r>
-              <a:rPr lang="en-US" sz="2000" dirty="0"/>
-              <a:t>: As we are converting the maximum charge/minimum time problem to a dynamic programming (DP) problem, we need to identify an appropriate </a:t>
-            </a:r>
-            <a:r>
-              <a:rPr lang="en-US" sz="2000" dirty="0">
-                <a:solidFill>
-                  <a:srgbClr val="FF0000"/>
-                </a:solidFill>
-              </a:rPr>
-              <a:t>objective function </a:t>
-            </a:r>
-            <a:r>
-              <a:rPr lang="en-US" sz="2000" dirty="0"/>
-              <a:t>and determine feasibility of given electrochemical model used </a:t>
-            </a:r>
-          </a:p>
-          <a:p>
-            <a:pPr marL="0" indent="0">
-              <a:buNone/>
-            </a:pPr>
-            <a:r>
-              <a:rPr lang="en-US" sz="2000" b="1" dirty="0"/>
-              <a:t>Literature:</a:t>
+              <a:t>Motivation:</a:t>
             </a:r>
             <a:r>
               <a:rPr lang="en-US" sz="2000" b="1" dirty="0">
@@ -5157,7 +5137,7 @@
             </a:r>
             <a:r>
               <a:rPr lang="en-US" sz="2000" dirty="0"/>
-              <a:t>Survey literature topics covering the intersection of reinforcement learning (RL) techniques used to model parameters in battery charging</a:t>
+              <a:t>Survey literature topics covering approximate dynamic programming and reinforcement learning techniques in energy management systems</a:t>
             </a:r>
           </a:p>
           <a:p>
@@ -5192,7 +5172,7 @@
             </a:r>
             <a:r>
               <a:rPr lang="en-US" sz="2000" i="1" dirty="0"/>
-              <a:t>x</a:t>
+              <a:t>5</a:t>
             </a:r>
             <a:r>
               <a:rPr lang="en-US" sz="2000" dirty="0"/>
@@ -5320,7 +5300,7 @@
           <a:p>
             <a:r>
               <a:rPr lang="en-US" sz="3600" dirty="0"/>
-              <a:t>Literature review: key results</a:t>
+              <a:t>Key results: Powell 2012</a:t>
             </a:r>
           </a:p>
         </p:txBody>
@@ -5353,23 +5333,11 @@
             </a:pPr>
             <a:r>
               <a:rPr lang="en-US" sz="2000" b="1" dirty="0"/>
-              <a:t>Objective</a:t>
+              <a:t>Objective Function</a:t>
             </a:r>
             <a:r>
               <a:rPr lang="en-US" sz="2000" dirty="0"/>
-              <a:t>: Survey literature topics covering the intersection of reinforcement learning (RL) techniques used to model parameters in battery charging. As we are converting the maximum charge/minimum time problem to a dynamic programming (DP) problem, we need to identify an appropriate </a:t>
-            </a:r>
-            <a:r>
-              <a:rPr lang="en-US" sz="2000" dirty="0">
-                <a:solidFill>
-                  <a:srgbClr val="FF0000"/>
-                </a:solidFill>
-              </a:rPr>
-              <a:t>objective function </a:t>
-            </a:r>
-            <a:r>
-              <a:rPr lang="en-US" sz="2000" dirty="0"/>
-              <a:t>and characterize </a:t>
+              <a:t>: For a grid energy storage framework, the objective function is to maximize value of energy sold minus energy purchased from grid. </a:t>
             </a:r>
             <a:endParaRPr lang="en-US" sz="2000" dirty="0">
               <a:solidFill>
@@ -5383,25 +5351,11 @@
             </a:pPr>
             <a:r>
               <a:rPr lang="en-US" sz="2000" b="1" dirty="0"/>
-              <a:t>Result</a:t>
+              <a:t>Formulation/Results</a:t>
             </a:r>
             <a:r>
               <a:rPr lang="en-US" sz="2000" dirty="0"/>
-              <a:t>: </a:t>
-            </a:r>
-            <a:r>
-              <a:rPr lang="en-US" sz="2000" i="1" dirty="0"/>
-              <a:t>x</a:t>
-            </a:r>
-            <a:r>
-              <a:rPr lang="en-US" sz="2000" dirty="0"/>
-              <a:t> new articles discovered, findings documented in </a:t>
-            </a:r>
-            <a:r>
-              <a:rPr lang="en-US" sz="2000" dirty="0">
-                <a:hlinkClick r:id="rId2"/>
-              </a:rPr>
-              <a:t>link</a:t>
+              <a:t>: Grid-based approach to determine storage evolution </a:t>
             </a:r>
             <a:endParaRPr lang="en-US" sz="2000" b="1" dirty="0"/>
           </a:p>
